--- a/程式開發流程圖1.pptx
+++ b/程式開發流程圖1.pptx
@@ -3466,8 +3466,8 @@
         </p:nvSpPr>
         <p:spPr>
           <a:xfrm>
-            <a:off x="2051720" y="5510352"/>
-            <a:ext cx="1008112" cy="781776"/>
+            <a:off x="1547664" y="5510352"/>
+            <a:ext cx="1512168" cy="781776"/>
           </a:xfrm>
           <a:prstGeom prst="roundRect">
             <a:avLst/>
@@ -3500,15 +3500,7 @@
             </a:r>
             <a:r>
               <a:rPr lang="zh-TW" altLang="en-US" dirty="0" smtClean="0"/>
-              <a:t>管</a:t>
-            </a:r>
-            <a:endParaRPr lang="en-US" altLang="zh-TW" dirty="0" smtClean="0"/>
-          </a:p>
-          <a:p>
-            <a:pPr algn="ctr"/>
-            <a:r>
-              <a:rPr lang="zh-TW" altLang="en-US" dirty="0" smtClean="0"/>
-              <a:t>摘要</a:t>
+              <a:t>管摘要</a:t>
             </a:r>
             <a:endParaRPr lang="en-US" altLang="zh-TW" dirty="0" smtClean="0"/>
           </a:p>
@@ -3517,6 +3509,18 @@
             <a:r>
               <a:rPr lang="zh-TW" altLang="en-US" dirty="0" smtClean="0"/>
               <a:t>報告</a:t>
+            </a:r>
+            <a:r>
+              <a:rPr lang="en-US" altLang="zh-TW" dirty="0" smtClean="0"/>
+              <a:t>(</a:t>
+            </a:r>
+            <a:r>
+              <a:rPr lang="en-US" altLang="zh-TW" dirty="0" err="1" smtClean="0"/>
+              <a:t>wrod</a:t>
+            </a:r>
+            <a:r>
+              <a:rPr lang="en-US" altLang="zh-TW" dirty="0" smtClean="0"/>
+              <a:t>)</a:t>
             </a:r>
             <a:endParaRPr lang="zh-TW" altLang="en-US" dirty="0"/>
           </a:p>
@@ -3568,7 +3572,15 @@
             <a:pPr algn="ctr"/>
             <a:r>
               <a:rPr lang="zh-TW" altLang="en-US" dirty="0" smtClean="0"/>
-              <a:t>資料集</a:t>
+              <a:t>資料</a:t>
+            </a:r>
+            <a:r>
+              <a:rPr lang="zh-TW" altLang="en-US" dirty="0" smtClean="0"/>
+              <a:t>集</a:t>
+            </a:r>
+            <a:r>
+              <a:rPr lang="en-US" altLang="zh-TW" dirty="0" smtClean="0"/>
+              <a:t>(csv)</a:t>
             </a:r>
             <a:endParaRPr lang="zh-TW" altLang="en-US" dirty="0"/>
           </a:p>
@@ -3729,8 +3741,8 @@
         </p:nvCxnSpPr>
         <p:spPr>
           <a:xfrm rot="5400000">
-            <a:off x="3022112" y="4824560"/>
-            <a:ext cx="219456" cy="1152128"/>
+            <a:off x="2896098" y="4698546"/>
+            <a:ext cx="219456" cy="1404156"/>
           </a:xfrm>
           <a:prstGeom prst="bentConnector3">
             <a:avLst/>
@@ -3790,6 +3802,41 @@
           </a:fontRef>
         </p:style>
       </p:cxnSp>
+      <p:sp>
+        <p:nvSpPr>
+          <p:cNvPr id="2" name="文字方塊 1"/>
+          <p:cNvSpPr txBox="1"/>
+          <p:nvPr/>
+        </p:nvSpPr>
+        <p:spPr>
+          <a:xfrm>
+            <a:off x="1763688" y="6453336"/>
+            <a:ext cx="1512168" cy="369332"/>
+          </a:xfrm>
+          <a:prstGeom prst="rect">
+            <a:avLst/>
+          </a:prstGeom>
+          <a:solidFill>
+            <a:schemeClr val="accent6">
+              <a:lumMod val="20000"/>
+              <a:lumOff val="80000"/>
+            </a:schemeClr>
+          </a:solidFill>
+        </p:spPr>
+        <p:txBody>
+          <a:bodyPr wrap="square" rtlCol="0">
+            <a:spAutoFit/>
+          </a:bodyPr>
+          <a:lstStyle/>
+          <a:p>
+            <a:r>
+              <a:rPr lang="zh-TW" altLang="en-US" dirty="0" smtClean="0"/>
+              <a:t>觀測成功率</a:t>
+            </a:r>
+            <a:endParaRPr lang="zh-TW" altLang="en-US" dirty="0"/>
+          </a:p>
+        </p:txBody>
+      </p:sp>
     </p:spTree>
     <p:extLst>
       <p:ext uri="{BB962C8B-B14F-4D97-AF65-F5344CB8AC3E}">
